--- a/Presentacion.pptx
+++ b/Presentacion.pptx
@@ -11,18 +11,19 @@
     <p:sldId id="259" r:id="rId5"/>
     <p:sldId id="273" r:id="rId6"/>
     <p:sldId id="260" r:id="rId7"/>
-    <p:sldId id="261" r:id="rId8"/>
-    <p:sldId id="262" r:id="rId9"/>
-    <p:sldId id="263" r:id="rId10"/>
-    <p:sldId id="264" r:id="rId11"/>
-    <p:sldId id="266" r:id="rId12"/>
-    <p:sldId id="265" r:id="rId13"/>
-    <p:sldId id="267" r:id="rId14"/>
-    <p:sldId id="268" r:id="rId15"/>
-    <p:sldId id="269" r:id="rId16"/>
-    <p:sldId id="270" r:id="rId17"/>
-    <p:sldId id="271" r:id="rId18"/>
-    <p:sldId id="272" r:id="rId19"/>
+    <p:sldId id="274" r:id="rId8"/>
+    <p:sldId id="261" r:id="rId9"/>
+    <p:sldId id="262" r:id="rId10"/>
+    <p:sldId id="263" r:id="rId11"/>
+    <p:sldId id="264" r:id="rId12"/>
+    <p:sldId id="266" r:id="rId13"/>
+    <p:sldId id="265" r:id="rId14"/>
+    <p:sldId id="267" r:id="rId15"/>
+    <p:sldId id="268" r:id="rId16"/>
+    <p:sldId id="269" r:id="rId17"/>
+    <p:sldId id="270" r:id="rId18"/>
+    <p:sldId id="271" r:id="rId19"/>
+    <p:sldId id="272" r:id="rId20"/>
   </p:sldIdLst>
   <p:sldSz cx="12192000" cy="6858000"/>
   <p:notesSz cx="6858000" cy="9144000"/>
@@ -317,7 +318,7 @@
           <a:p>
             <a:fld id="{E5FC8253-D5CC-4E76-B09C-45CF96903589}" type="datetimeFigureOut">
               <a:rPr lang="es-CL" smtClean="0"/>
-              <a:t>29-06-2025</a:t>
+              <a:t>30-06-2025</a:t>
             </a:fld>
             <a:endParaRPr lang="es-CL"/>
           </a:p>
@@ -655,7 +656,7 @@
           <a:p>
             <a:fld id="{E5FC8253-D5CC-4E76-B09C-45CF96903589}" type="datetimeFigureOut">
               <a:rPr lang="es-CL" smtClean="0"/>
-              <a:t>29-06-2025</a:t>
+              <a:t>30-06-2025</a:t>
             </a:fld>
             <a:endParaRPr lang="es-CL"/>
           </a:p>
@@ -1056,7 +1057,7 @@
           <a:p>
             <a:fld id="{E5FC8253-D5CC-4E76-B09C-45CF96903589}" type="datetimeFigureOut">
               <a:rPr lang="es-CL" smtClean="0"/>
-              <a:t>29-06-2025</a:t>
+              <a:t>30-06-2025</a:t>
             </a:fld>
             <a:endParaRPr lang="es-CL"/>
           </a:p>
@@ -1392,7 +1393,7 @@
           <a:p>
             <a:fld id="{E5FC8253-D5CC-4E76-B09C-45CF96903589}" type="datetimeFigureOut">
               <a:rPr lang="es-CL" smtClean="0"/>
-              <a:t>29-06-2025</a:t>
+              <a:t>30-06-2025</a:t>
             </a:fld>
             <a:endParaRPr lang="es-CL"/>
           </a:p>
@@ -1712,7 +1713,7 @@
           <a:p>
             <a:fld id="{E5FC8253-D5CC-4E76-B09C-45CF96903589}" type="datetimeFigureOut">
               <a:rPr lang="es-CL" smtClean="0"/>
-              <a:t>29-06-2025</a:t>
+              <a:t>30-06-2025</a:t>
             </a:fld>
             <a:endParaRPr lang="es-CL"/>
           </a:p>
@@ -2108,7 +2109,7 @@
           <a:p>
             <a:fld id="{E5FC8253-D5CC-4E76-B09C-45CF96903589}" type="datetimeFigureOut">
               <a:rPr lang="es-CL" smtClean="0"/>
-              <a:t>29-06-2025</a:t>
+              <a:t>30-06-2025</a:t>
             </a:fld>
             <a:endParaRPr lang="es-CL"/>
           </a:p>
@@ -2365,7 +2366,7 @@
           <a:p>
             <a:fld id="{E5FC8253-D5CC-4E76-B09C-45CF96903589}" type="datetimeFigureOut">
               <a:rPr lang="es-CL" smtClean="0"/>
-              <a:t>29-06-2025</a:t>
+              <a:t>30-06-2025</a:t>
             </a:fld>
             <a:endParaRPr lang="es-CL"/>
           </a:p>
@@ -2627,7 +2628,7 @@
           <a:p>
             <a:fld id="{E5FC8253-D5CC-4E76-B09C-45CF96903589}" type="datetimeFigureOut">
               <a:rPr lang="es-CL" smtClean="0"/>
-              <a:t>29-06-2025</a:t>
+              <a:t>30-06-2025</a:t>
             </a:fld>
             <a:endParaRPr lang="es-CL"/>
           </a:p>
@@ -2889,7 +2890,7 @@
           <a:p>
             <a:fld id="{E5FC8253-D5CC-4E76-B09C-45CF96903589}" type="datetimeFigureOut">
               <a:rPr lang="es-CL" smtClean="0"/>
-              <a:t>29-06-2025</a:t>
+              <a:t>30-06-2025</a:t>
             </a:fld>
             <a:endParaRPr lang="es-CL"/>
           </a:p>
@@ -3218,7 +3219,7 @@
           <a:p>
             <a:fld id="{E5FC8253-D5CC-4E76-B09C-45CF96903589}" type="datetimeFigureOut">
               <a:rPr lang="es-CL" smtClean="0"/>
-              <a:t>29-06-2025</a:t>
+              <a:t>30-06-2025</a:t>
             </a:fld>
             <a:endParaRPr lang="es-CL"/>
           </a:p>
@@ -3541,7 +3542,7 @@
           <a:p>
             <a:fld id="{E5FC8253-D5CC-4E76-B09C-45CF96903589}" type="datetimeFigureOut">
               <a:rPr lang="es-CL" smtClean="0"/>
-              <a:t>29-06-2025</a:t>
+              <a:t>30-06-2025</a:t>
             </a:fld>
             <a:endParaRPr lang="es-CL"/>
           </a:p>
@@ -3998,7 +3999,7 @@
           <a:p>
             <a:fld id="{E5FC8253-D5CC-4E76-B09C-45CF96903589}" type="datetimeFigureOut">
               <a:rPr lang="es-CL" smtClean="0"/>
-              <a:t>29-06-2025</a:t>
+              <a:t>30-06-2025</a:t>
             </a:fld>
             <a:endParaRPr lang="es-CL"/>
           </a:p>
@@ -4203,7 +4204,7 @@
           <a:p>
             <a:fld id="{E5FC8253-D5CC-4E76-B09C-45CF96903589}" type="datetimeFigureOut">
               <a:rPr lang="es-CL" smtClean="0"/>
-              <a:t>29-06-2025</a:t>
+              <a:t>30-06-2025</a:t>
             </a:fld>
             <a:endParaRPr lang="es-CL"/>
           </a:p>
@@ -4380,7 +4381,7 @@
           <a:p>
             <a:fld id="{E5FC8253-D5CC-4E76-B09C-45CF96903589}" type="datetimeFigureOut">
               <a:rPr lang="es-CL" smtClean="0"/>
-              <a:t>29-06-2025</a:t>
+              <a:t>30-06-2025</a:t>
             </a:fld>
             <a:endParaRPr lang="es-CL"/>
           </a:p>
@@ -4713,7 +4714,7 @@
           <a:p>
             <a:fld id="{E5FC8253-D5CC-4E76-B09C-45CF96903589}" type="datetimeFigureOut">
               <a:rPr lang="es-CL" smtClean="0"/>
-              <a:t>29-06-2025</a:t>
+              <a:t>30-06-2025</a:t>
             </a:fld>
             <a:endParaRPr lang="es-CL"/>
           </a:p>
@@ -5058,7 +5059,7 @@
           <a:p>
             <a:fld id="{E5FC8253-D5CC-4E76-B09C-45CF96903589}" type="datetimeFigureOut">
               <a:rPr lang="es-CL" smtClean="0"/>
-              <a:t>29-06-2025</a:t>
+              <a:t>30-06-2025</a:t>
             </a:fld>
             <a:endParaRPr lang="es-CL"/>
           </a:p>
@@ -7175,7 +7176,7 @@
           <a:p>
             <a:fld id="{E5FC8253-D5CC-4E76-B09C-45CF96903589}" type="datetimeFigureOut">
               <a:rPr lang="es-CL" smtClean="0"/>
-              <a:t>29-06-2025</a:t>
+              <a:t>30-06-2025</a:t>
             </a:fld>
             <a:endParaRPr lang="es-CL"/>
           </a:p>
@@ -10836,6 +10837,364 @@
           <p:cNvPr id="4" name="Imagen 3" descr="Texto&#10;&#10;El contenido generado por IA puede ser incorrecto.">
             <a:extLst>
               <a:ext uri="{FF2B5EF4-FFF2-40B4-BE49-F238E27FC236}">
+                <a16:creationId xmlns:a16="http://schemas.microsoft.com/office/drawing/2014/main" id="{26F26695-C243-C3DB-00FA-45D0BD80D1A1}"/>
+              </a:ext>
+            </a:extLst>
+          </p:cNvPr>
+          <p:cNvPicPr>
+            <a:picLocks noChangeAspect="1"/>
+          </p:cNvPicPr>
+          <p:nvPr/>
+        </p:nvPicPr>
+        <p:blipFill>
+          <a:blip r:embed="rId2">
+            <a:extLst>
+              <a:ext uri="{28A0092B-C50C-407E-A947-70E740481C1C}">
+                <a14:useLocalDpi xmlns:a14="http://schemas.microsoft.com/office/drawing/2010/main" val="0"/>
+              </a:ext>
+            </a:extLst>
+          </a:blip>
+          <a:stretch>
+            <a:fillRect/>
+          </a:stretch>
+        </p:blipFill>
+        <p:spPr>
+          <a:xfrm>
+            <a:off x="8874493" y="42218"/>
+            <a:ext cx="3290283" cy="474576"/>
+          </a:xfrm>
+          <a:prstGeom prst="rect">
+            <a:avLst/>
+          </a:prstGeom>
+        </p:spPr>
+      </p:pic>
+      <p:sp>
+        <p:nvSpPr>
+          <p:cNvPr id="6" name="Subtítulo 2">
+            <a:extLst>
+              <a:ext uri="{FF2B5EF4-FFF2-40B4-BE49-F238E27FC236}">
+                <a16:creationId xmlns:a16="http://schemas.microsoft.com/office/drawing/2014/main" id="{64C6B509-7F62-E29E-1963-0A979C9093B0}"/>
+              </a:ext>
+            </a:extLst>
+          </p:cNvPr>
+          <p:cNvSpPr txBox="1">
+            <a:spLocks/>
+          </p:cNvSpPr>
+          <p:nvPr/>
+        </p:nvSpPr>
+        <p:spPr>
+          <a:xfrm>
+            <a:off x="9349731" y="6543962"/>
+            <a:ext cx="2842269" cy="314038"/>
+          </a:xfrm>
+          <a:prstGeom prst="rect">
+            <a:avLst/>
+          </a:prstGeom>
+        </p:spPr>
+        <p:txBody>
+          <a:bodyPr vert="horz" lIns="91440" tIns="45720" rIns="91440" bIns="45720" rtlCol="0" anchor="t">
+            <a:normAutofit/>
+          </a:bodyPr>
+          <a:lstStyle>
+            <a:lvl1pPr marL="0" indent="0" algn="l" defTabSz="457200" rtl="0" eaLnBrk="1" latinLnBrk="0" hangingPunct="1">
+              <a:spcBef>
+                <a:spcPts val="1000"/>
+              </a:spcBef>
+              <a:spcAft>
+                <a:spcPts val="0"/>
+              </a:spcAft>
+              <a:buClr>
+                <a:schemeClr val="accent1"/>
+              </a:buClr>
+              <a:buFont typeface="Wingdings 3" charset="2"/>
+              <a:buNone/>
+              <a:defRPr sz="1800" kern="1200">
+                <a:solidFill>
+                  <a:schemeClr val="tx1">
+                    <a:lumMod val="65000"/>
+                    <a:lumOff val="35000"/>
+                  </a:schemeClr>
+                </a:solidFill>
+                <a:latin typeface="+mn-lt"/>
+                <a:ea typeface="+mn-ea"/>
+                <a:cs typeface="+mn-cs"/>
+              </a:defRPr>
+            </a:lvl1pPr>
+            <a:lvl2pPr marL="457200" indent="0" algn="ctr" defTabSz="457200" rtl="0" eaLnBrk="1" latinLnBrk="0" hangingPunct="1">
+              <a:spcBef>
+                <a:spcPts val="1000"/>
+              </a:spcBef>
+              <a:spcAft>
+                <a:spcPts val="0"/>
+              </a:spcAft>
+              <a:buClr>
+                <a:schemeClr val="accent1"/>
+              </a:buClr>
+              <a:buFont typeface="Wingdings 3" charset="2"/>
+              <a:buNone/>
+              <a:defRPr sz="1600" kern="1200">
+                <a:solidFill>
+                  <a:schemeClr val="tx1">
+                    <a:tint val="75000"/>
+                  </a:schemeClr>
+                </a:solidFill>
+                <a:latin typeface="+mn-lt"/>
+                <a:ea typeface="+mn-ea"/>
+                <a:cs typeface="+mn-cs"/>
+              </a:defRPr>
+            </a:lvl2pPr>
+            <a:lvl3pPr marL="914400" indent="0" algn="ctr" defTabSz="457200" rtl="0" eaLnBrk="1" latinLnBrk="0" hangingPunct="1">
+              <a:spcBef>
+                <a:spcPts val="1000"/>
+              </a:spcBef>
+              <a:spcAft>
+                <a:spcPts val="0"/>
+              </a:spcAft>
+              <a:buClr>
+                <a:schemeClr val="accent1"/>
+              </a:buClr>
+              <a:buFont typeface="Wingdings 3" charset="2"/>
+              <a:buNone/>
+              <a:defRPr sz="1400" kern="1200">
+                <a:solidFill>
+                  <a:schemeClr val="tx1">
+                    <a:tint val="75000"/>
+                  </a:schemeClr>
+                </a:solidFill>
+                <a:latin typeface="+mn-lt"/>
+                <a:ea typeface="+mn-ea"/>
+                <a:cs typeface="+mn-cs"/>
+              </a:defRPr>
+            </a:lvl3pPr>
+            <a:lvl4pPr marL="1371600" indent="0" algn="ctr" defTabSz="457200" rtl="0" eaLnBrk="1" latinLnBrk="0" hangingPunct="1">
+              <a:spcBef>
+                <a:spcPts val="1000"/>
+              </a:spcBef>
+              <a:spcAft>
+                <a:spcPts val="0"/>
+              </a:spcAft>
+              <a:buClr>
+                <a:schemeClr val="accent1"/>
+              </a:buClr>
+              <a:buFont typeface="Wingdings 3" charset="2"/>
+              <a:buNone/>
+              <a:defRPr sz="1200" kern="1200">
+                <a:solidFill>
+                  <a:schemeClr val="tx1">
+                    <a:tint val="75000"/>
+                  </a:schemeClr>
+                </a:solidFill>
+                <a:latin typeface="+mn-lt"/>
+                <a:ea typeface="+mn-ea"/>
+                <a:cs typeface="+mn-cs"/>
+              </a:defRPr>
+            </a:lvl4pPr>
+            <a:lvl5pPr marL="1828800" indent="0" algn="ctr" defTabSz="457200" rtl="0" eaLnBrk="1" latinLnBrk="0" hangingPunct="1">
+              <a:spcBef>
+                <a:spcPts val="1000"/>
+              </a:spcBef>
+              <a:spcAft>
+                <a:spcPts val="0"/>
+              </a:spcAft>
+              <a:buClr>
+                <a:schemeClr val="accent1"/>
+              </a:buClr>
+              <a:buFont typeface="Wingdings 3" charset="2"/>
+              <a:buNone/>
+              <a:defRPr sz="1200" kern="1200">
+                <a:solidFill>
+                  <a:schemeClr val="tx1">
+                    <a:tint val="75000"/>
+                  </a:schemeClr>
+                </a:solidFill>
+                <a:latin typeface="+mn-lt"/>
+                <a:ea typeface="+mn-ea"/>
+                <a:cs typeface="+mn-cs"/>
+              </a:defRPr>
+            </a:lvl5pPr>
+            <a:lvl6pPr marL="2286000" indent="0" algn="ctr" defTabSz="457200" rtl="0" eaLnBrk="1" latinLnBrk="0" hangingPunct="1">
+              <a:spcBef>
+                <a:spcPts val="1000"/>
+              </a:spcBef>
+              <a:spcAft>
+                <a:spcPts val="0"/>
+              </a:spcAft>
+              <a:buClr>
+                <a:schemeClr val="accent1"/>
+              </a:buClr>
+              <a:buFont typeface="Wingdings 3" charset="2"/>
+              <a:buNone/>
+              <a:defRPr sz="1200" kern="1200">
+                <a:solidFill>
+                  <a:schemeClr val="tx1">
+                    <a:tint val="75000"/>
+                  </a:schemeClr>
+                </a:solidFill>
+                <a:latin typeface="+mn-lt"/>
+                <a:ea typeface="+mn-ea"/>
+                <a:cs typeface="+mn-cs"/>
+              </a:defRPr>
+            </a:lvl6pPr>
+            <a:lvl7pPr marL="2743200" indent="0" algn="ctr" defTabSz="457200" rtl="0" eaLnBrk="1" latinLnBrk="0" hangingPunct="1">
+              <a:spcBef>
+                <a:spcPts val="1000"/>
+              </a:spcBef>
+              <a:spcAft>
+                <a:spcPts val="0"/>
+              </a:spcAft>
+              <a:buClr>
+                <a:schemeClr val="accent1"/>
+              </a:buClr>
+              <a:buFont typeface="Wingdings 3" charset="2"/>
+              <a:buNone/>
+              <a:defRPr sz="1200" kern="1200">
+                <a:solidFill>
+                  <a:schemeClr val="tx1">
+                    <a:tint val="75000"/>
+                  </a:schemeClr>
+                </a:solidFill>
+                <a:latin typeface="+mn-lt"/>
+                <a:ea typeface="+mn-ea"/>
+                <a:cs typeface="+mn-cs"/>
+              </a:defRPr>
+            </a:lvl7pPr>
+            <a:lvl8pPr marL="3200400" indent="0" algn="ctr" defTabSz="457200" rtl="0" eaLnBrk="1" latinLnBrk="0" hangingPunct="1">
+              <a:spcBef>
+                <a:spcPts val="1000"/>
+              </a:spcBef>
+              <a:spcAft>
+                <a:spcPts val="0"/>
+              </a:spcAft>
+              <a:buClr>
+                <a:schemeClr val="accent1"/>
+              </a:buClr>
+              <a:buFont typeface="Wingdings 3" charset="2"/>
+              <a:buNone/>
+              <a:defRPr sz="1200" kern="1200">
+                <a:solidFill>
+                  <a:schemeClr val="tx1">
+                    <a:tint val="75000"/>
+                  </a:schemeClr>
+                </a:solidFill>
+                <a:latin typeface="+mn-lt"/>
+                <a:ea typeface="+mn-ea"/>
+                <a:cs typeface="+mn-cs"/>
+              </a:defRPr>
+            </a:lvl8pPr>
+            <a:lvl9pPr marL="3657600" indent="0" algn="ctr" defTabSz="457200" rtl="0" eaLnBrk="1" latinLnBrk="0" hangingPunct="1">
+              <a:spcBef>
+                <a:spcPts val="1000"/>
+              </a:spcBef>
+              <a:spcAft>
+                <a:spcPts val="0"/>
+              </a:spcAft>
+              <a:buClr>
+                <a:schemeClr val="accent1"/>
+              </a:buClr>
+              <a:buFont typeface="Wingdings 3" charset="2"/>
+              <a:buNone/>
+              <a:defRPr sz="1200" kern="1200">
+                <a:solidFill>
+                  <a:schemeClr val="tx1">
+                    <a:tint val="75000"/>
+                  </a:schemeClr>
+                </a:solidFill>
+                <a:latin typeface="+mn-lt"/>
+                <a:ea typeface="+mn-ea"/>
+                <a:cs typeface="+mn-cs"/>
+              </a:defRPr>
+            </a:lvl9pPr>
+          </a:lstStyle>
+          <a:p>
+            <a:r>
+              <a:rPr lang="es-ES" sz="1400" dirty="0">
+                <a:solidFill>
+                  <a:schemeClr val="tx1"/>
+                </a:solidFill>
+                <a:latin typeface="ADLaM Display" panose="020F0502020204030204" pitchFamily="2" charset="0"/>
+                <a:ea typeface="ADLaM Display" panose="020F0502020204030204" pitchFamily="2" charset="0"/>
+                <a:cs typeface="ADLaM Display" panose="020F0502020204030204" pitchFamily="2" charset="0"/>
+              </a:rPr>
+              <a:t>PII402 – Procesos Estocásticos</a:t>
+            </a:r>
+          </a:p>
+          <a:p>
+            <a:endParaRPr lang="es-CL" sz="1400" dirty="0">
+              <a:solidFill>
+                <a:schemeClr val="tx1"/>
+              </a:solidFill>
+              <a:latin typeface="ADLaM Display" panose="020F0502020204030204" pitchFamily="2" charset="0"/>
+              <a:ea typeface="ADLaM Display" panose="020F0502020204030204" pitchFamily="2" charset="0"/>
+              <a:cs typeface="ADLaM Display" panose="020F0502020204030204" pitchFamily="2" charset="0"/>
+            </a:endParaRPr>
+          </a:p>
+        </p:txBody>
+      </p:sp>
+      <p:pic>
+        <p:nvPicPr>
+          <p:cNvPr id="10" name="Imagen 9">
+            <a:extLst>
+              <a:ext uri="{FF2B5EF4-FFF2-40B4-BE49-F238E27FC236}">
+                <a16:creationId xmlns:a16="http://schemas.microsoft.com/office/drawing/2014/main" id="{C44C3AC0-202A-B688-29AB-BD340EF199ED}"/>
+              </a:ext>
+            </a:extLst>
+          </p:cNvPr>
+          <p:cNvPicPr>
+            <a:picLocks noChangeAspect="1"/>
+          </p:cNvPicPr>
+          <p:nvPr/>
+        </p:nvPicPr>
+        <p:blipFill>
+          <a:blip r:embed="rId3"/>
+          <a:stretch>
+            <a:fillRect/>
+          </a:stretch>
+        </p:blipFill>
+        <p:spPr>
+          <a:xfrm>
+            <a:off x="1260911" y="636106"/>
+            <a:ext cx="10010273" cy="5907856"/>
+          </a:xfrm>
+          <a:prstGeom prst="rect">
+            <a:avLst/>
+          </a:prstGeom>
+        </p:spPr>
+      </p:pic>
+    </p:spTree>
+    <p:extLst>
+      <p:ext uri="{BB962C8B-B14F-4D97-AF65-F5344CB8AC3E}">
+        <p14:creationId xmlns:p14="http://schemas.microsoft.com/office/powerpoint/2010/main" val="1023982939"/>
+      </p:ext>
+    </p:extLst>
+  </p:cSld>
+  <p:clrMapOvr>
+    <a:masterClrMapping/>
+  </p:clrMapOvr>
+</p:sld>
+</file>
+
+<file path=ppt/slides/slide11.xml><?xml version="1.0" encoding="utf-8"?>
+<p:sld xmlns:a="http://schemas.openxmlformats.org/drawingml/2006/main" xmlns:r="http://schemas.openxmlformats.org/officeDocument/2006/relationships" xmlns:p="http://schemas.openxmlformats.org/presentationml/2006/main">
+  <p:cSld>
+    <p:spTree>
+      <p:nvGrpSpPr>
+        <p:cNvPr id="1" name=""/>
+        <p:cNvGrpSpPr/>
+        <p:nvPr/>
+      </p:nvGrpSpPr>
+      <p:grpSpPr>
+        <a:xfrm>
+          <a:off x="0" y="0"/>
+          <a:ext cx="0" cy="0"/>
+          <a:chOff x="0" y="0"/>
+          <a:chExt cx="0" cy="0"/>
+        </a:xfrm>
+      </p:grpSpPr>
+      <p:pic>
+        <p:nvPicPr>
+          <p:cNvPr id="4" name="Imagen 3" descr="Texto&#10;&#10;El contenido generado por IA puede ser incorrecto.">
+            <a:extLst>
+              <a:ext uri="{FF2B5EF4-FFF2-40B4-BE49-F238E27FC236}">
                 <a16:creationId xmlns:a16="http://schemas.microsoft.com/office/drawing/2014/main" id="{823C7779-B2B2-9CCE-D12A-D125E75A475F}"/>
               </a:ext>
             </a:extLst>
@@ -11172,7 +11531,7 @@
 </p:sld>
 </file>
 
-<file path=ppt/slides/slide11.xml><?xml version="1.0" encoding="utf-8"?>
+<file path=ppt/slides/slide12.xml><?xml version="1.0" encoding="utf-8"?>
 <p:sld xmlns:a="http://schemas.openxmlformats.org/drawingml/2006/main" xmlns:r="http://schemas.openxmlformats.org/officeDocument/2006/relationships" xmlns:p="http://schemas.openxmlformats.org/presentationml/2006/main">
   <p:cSld>
     <p:spTree>
@@ -11223,8 +11582,8 @@
           </a:p>
         </p:txBody>
       </p:sp>
-      <mc:AlternateContent xmlns:mc="http://schemas.openxmlformats.org/markup-compatibility/2006">
-        <mc:Choice xmlns:a14="http://schemas.microsoft.com/office/drawing/2010/main" Requires="a14">
+      <mc:AlternateContent xmlns:mc="http://schemas.openxmlformats.org/markup-compatibility/2006" xmlns:a14="http://schemas.microsoft.com/office/drawing/2010/main">
+        <mc:Choice Requires="a14">
           <p:sp>
             <p:nvSpPr>
               <p:cNvPr id="3" name="Marcador de contenido 2">
@@ -11394,7 +11753,7 @@
             </p:txBody>
           </p:sp>
         </mc:Choice>
-        <mc:Fallback>
+        <mc:Fallback xmlns="">
           <p:sp>
             <p:nvSpPr>
               <p:cNvPr id="3" name="Marcador de contenido 2">
@@ -11779,7 +12138,7 @@
 </p:sld>
 </file>
 
-<file path=ppt/slides/slide12.xml><?xml version="1.0" encoding="utf-8"?>
+<file path=ppt/slides/slide13.xml><?xml version="1.0" encoding="utf-8"?>
 <p:sld xmlns:a="http://schemas.openxmlformats.org/drawingml/2006/main" xmlns:r="http://schemas.openxmlformats.org/officeDocument/2006/relationships" xmlns:p="http://schemas.openxmlformats.org/presentationml/2006/main">
   <p:cSld>
     <p:spTree>
@@ -12258,7 +12617,7 @@
 </p:sld>
 </file>
 
-<file path=ppt/slides/slide13.xml><?xml version="1.0" encoding="utf-8"?>
+<file path=ppt/slides/slide14.xml><?xml version="1.0" encoding="utf-8"?>
 <p:sld xmlns:a="http://schemas.openxmlformats.org/drawingml/2006/main" xmlns:r="http://schemas.openxmlformats.org/officeDocument/2006/relationships" xmlns:p="http://schemas.openxmlformats.org/presentationml/2006/main">
   <p:cSld>
     <p:spTree>
@@ -12763,7 +13122,7 @@
 </p:sld>
 </file>
 
-<file path=ppt/slides/slide14.xml><?xml version="1.0" encoding="utf-8"?>
+<file path=ppt/slides/slide15.xml><?xml version="1.0" encoding="utf-8"?>
 <p:sld xmlns:a="http://schemas.openxmlformats.org/drawingml/2006/main" xmlns:r="http://schemas.openxmlformats.org/officeDocument/2006/relationships" xmlns:p="http://schemas.openxmlformats.org/presentationml/2006/main">
   <p:cSld>
     <p:spTree>
@@ -13232,7 +13591,7 @@
 </p:sld>
 </file>
 
-<file path=ppt/slides/slide15.xml><?xml version="1.0" encoding="utf-8"?>
+<file path=ppt/slides/slide16.xml><?xml version="1.0" encoding="utf-8"?>
 <p:sld xmlns:a="http://schemas.openxmlformats.org/drawingml/2006/main" xmlns:r="http://schemas.openxmlformats.org/officeDocument/2006/relationships" xmlns:p="http://schemas.openxmlformats.org/presentationml/2006/main">
   <p:cSld>
     <p:spTree>
@@ -13709,7 +14068,7 @@
 </p:sld>
 </file>
 
-<file path=ppt/slides/slide16.xml><?xml version="1.0" encoding="utf-8"?>
+<file path=ppt/slides/slide17.xml><?xml version="1.0" encoding="utf-8"?>
 <p:sld xmlns:a="http://schemas.openxmlformats.org/drawingml/2006/main" xmlns:r="http://schemas.openxmlformats.org/officeDocument/2006/relationships" xmlns:p="http://schemas.openxmlformats.org/presentationml/2006/main">
   <p:cSld>
     <p:spTree>
@@ -14281,7 +14640,7 @@
 </p:sld>
 </file>
 
-<file path=ppt/slides/slide17.xml><?xml version="1.0" encoding="utf-8"?>
+<file path=ppt/slides/slide18.xml><?xml version="1.0" encoding="utf-8"?>
 <p:sld xmlns:a="http://schemas.openxmlformats.org/drawingml/2006/main" xmlns:r="http://schemas.openxmlformats.org/officeDocument/2006/relationships" xmlns:p="http://schemas.openxmlformats.org/presentationml/2006/main">
   <p:cSld>
     <p:spTree>
@@ -14779,7 +15138,7 @@
 </p:sld>
 </file>
 
-<file path=ppt/slides/slide18.xml><?xml version="1.0" encoding="utf-8"?>
+<file path=ppt/slides/slide19.xml><?xml version="1.0" encoding="utf-8"?>
 <p:sld xmlns:a="http://schemas.openxmlformats.org/drawingml/2006/main" xmlns:r="http://schemas.openxmlformats.org/officeDocument/2006/relationships" xmlns:p="http://schemas.openxmlformats.org/presentationml/2006/main">
   <p:cSld>
     <p:spTree>
@@ -18713,6 +19072,364 @@
           <a:chExt cx="0" cy="0"/>
         </a:xfrm>
       </p:grpSpPr>
+      <p:pic>
+        <p:nvPicPr>
+          <p:cNvPr id="5" name="Imagen 4">
+            <a:extLst>
+              <a:ext uri="{FF2B5EF4-FFF2-40B4-BE49-F238E27FC236}">
+                <a16:creationId xmlns:a16="http://schemas.microsoft.com/office/drawing/2014/main" id="{61824523-E4EF-CD45-5029-FDA26254DD66}"/>
+              </a:ext>
+            </a:extLst>
+          </p:cNvPr>
+          <p:cNvPicPr>
+            <a:picLocks noChangeAspect="1"/>
+          </p:cNvPicPr>
+          <p:nvPr/>
+        </p:nvPicPr>
+        <p:blipFill>
+          <a:blip r:embed="rId2"/>
+          <a:stretch>
+            <a:fillRect/>
+          </a:stretch>
+        </p:blipFill>
+        <p:spPr>
+          <a:xfrm>
+            <a:off x="3870680" y="168442"/>
+            <a:ext cx="4450640" cy="6521116"/>
+          </a:xfrm>
+          <a:prstGeom prst="rect">
+            <a:avLst/>
+          </a:prstGeom>
+        </p:spPr>
+      </p:pic>
+      <p:pic>
+        <p:nvPicPr>
+          <p:cNvPr id="6" name="Imagen 5" descr="Texto&#10;&#10;El contenido generado por IA puede ser incorrecto.">
+            <a:extLst>
+              <a:ext uri="{FF2B5EF4-FFF2-40B4-BE49-F238E27FC236}">
+                <a16:creationId xmlns:a16="http://schemas.microsoft.com/office/drawing/2014/main" id="{5E6B0062-7196-4B71-5FD4-DBA29948DBF9}"/>
+              </a:ext>
+            </a:extLst>
+          </p:cNvPr>
+          <p:cNvPicPr>
+            <a:picLocks noChangeAspect="1"/>
+          </p:cNvPicPr>
+          <p:nvPr/>
+        </p:nvPicPr>
+        <p:blipFill>
+          <a:blip r:embed="rId3">
+            <a:extLst>
+              <a:ext uri="{28A0092B-C50C-407E-A947-70E740481C1C}">
+                <a14:useLocalDpi xmlns:a14="http://schemas.microsoft.com/office/drawing/2010/main" val="0"/>
+              </a:ext>
+            </a:extLst>
+          </a:blip>
+          <a:stretch>
+            <a:fillRect/>
+          </a:stretch>
+        </p:blipFill>
+        <p:spPr>
+          <a:xfrm>
+            <a:off x="8874493" y="42218"/>
+            <a:ext cx="3290283" cy="474576"/>
+          </a:xfrm>
+          <a:prstGeom prst="rect">
+            <a:avLst/>
+          </a:prstGeom>
+        </p:spPr>
+      </p:pic>
+      <p:sp>
+        <p:nvSpPr>
+          <p:cNvPr id="7" name="Subtítulo 2">
+            <a:extLst>
+              <a:ext uri="{FF2B5EF4-FFF2-40B4-BE49-F238E27FC236}">
+                <a16:creationId xmlns:a16="http://schemas.microsoft.com/office/drawing/2014/main" id="{95362AF2-F425-E377-F471-AE1F24A8FD5C}"/>
+              </a:ext>
+            </a:extLst>
+          </p:cNvPr>
+          <p:cNvSpPr txBox="1">
+            <a:spLocks/>
+          </p:cNvSpPr>
+          <p:nvPr/>
+        </p:nvSpPr>
+        <p:spPr>
+          <a:xfrm>
+            <a:off x="9349731" y="6543962"/>
+            <a:ext cx="2842269" cy="314038"/>
+          </a:xfrm>
+          <a:prstGeom prst="rect">
+            <a:avLst/>
+          </a:prstGeom>
+        </p:spPr>
+        <p:txBody>
+          <a:bodyPr vert="horz" lIns="91440" tIns="45720" rIns="91440" bIns="45720" rtlCol="0" anchor="t">
+            <a:normAutofit/>
+          </a:bodyPr>
+          <a:lstStyle>
+            <a:lvl1pPr marL="0" indent="0" algn="l" defTabSz="457200" rtl="0" eaLnBrk="1" latinLnBrk="0" hangingPunct="1">
+              <a:spcBef>
+                <a:spcPts val="1000"/>
+              </a:spcBef>
+              <a:spcAft>
+                <a:spcPts val="0"/>
+              </a:spcAft>
+              <a:buClr>
+                <a:schemeClr val="accent1"/>
+              </a:buClr>
+              <a:buFont typeface="Wingdings 3" charset="2"/>
+              <a:buNone/>
+              <a:defRPr sz="1800" kern="1200">
+                <a:solidFill>
+                  <a:schemeClr val="tx1">
+                    <a:lumMod val="65000"/>
+                    <a:lumOff val="35000"/>
+                  </a:schemeClr>
+                </a:solidFill>
+                <a:latin typeface="+mn-lt"/>
+                <a:ea typeface="+mn-ea"/>
+                <a:cs typeface="+mn-cs"/>
+              </a:defRPr>
+            </a:lvl1pPr>
+            <a:lvl2pPr marL="457200" indent="0" algn="ctr" defTabSz="457200" rtl="0" eaLnBrk="1" latinLnBrk="0" hangingPunct="1">
+              <a:spcBef>
+                <a:spcPts val="1000"/>
+              </a:spcBef>
+              <a:spcAft>
+                <a:spcPts val="0"/>
+              </a:spcAft>
+              <a:buClr>
+                <a:schemeClr val="accent1"/>
+              </a:buClr>
+              <a:buFont typeface="Wingdings 3" charset="2"/>
+              <a:buNone/>
+              <a:defRPr sz="1600" kern="1200">
+                <a:solidFill>
+                  <a:schemeClr val="tx1">
+                    <a:tint val="75000"/>
+                  </a:schemeClr>
+                </a:solidFill>
+                <a:latin typeface="+mn-lt"/>
+                <a:ea typeface="+mn-ea"/>
+                <a:cs typeface="+mn-cs"/>
+              </a:defRPr>
+            </a:lvl2pPr>
+            <a:lvl3pPr marL="914400" indent="0" algn="ctr" defTabSz="457200" rtl="0" eaLnBrk="1" latinLnBrk="0" hangingPunct="1">
+              <a:spcBef>
+                <a:spcPts val="1000"/>
+              </a:spcBef>
+              <a:spcAft>
+                <a:spcPts val="0"/>
+              </a:spcAft>
+              <a:buClr>
+                <a:schemeClr val="accent1"/>
+              </a:buClr>
+              <a:buFont typeface="Wingdings 3" charset="2"/>
+              <a:buNone/>
+              <a:defRPr sz="1400" kern="1200">
+                <a:solidFill>
+                  <a:schemeClr val="tx1">
+                    <a:tint val="75000"/>
+                  </a:schemeClr>
+                </a:solidFill>
+                <a:latin typeface="+mn-lt"/>
+                <a:ea typeface="+mn-ea"/>
+                <a:cs typeface="+mn-cs"/>
+              </a:defRPr>
+            </a:lvl3pPr>
+            <a:lvl4pPr marL="1371600" indent="0" algn="ctr" defTabSz="457200" rtl="0" eaLnBrk="1" latinLnBrk="0" hangingPunct="1">
+              <a:spcBef>
+                <a:spcPts val="1000"/>
+              </a:spcBef>
+              <a:spcAft>
+                <a:spcPts val="0"/>
+              </a:spcAft>
+              <a:buClr>
+                <a:schemeClr val="accent1"/>
+              </a:buClr>
+              <a:buFont typeface="Wingdings 3" charset="2"/>
+              <a:buNone/>
+              <a:defRPr sz="1200" kern="1200">
+                <a:solidFill>
+                  <a:schemeClr val="tx1">
+                    <a:tint val="75000"/>
+                  </a:schemeClr>
+                </a:solidFill>
+                <a:latin typeface="+mn-lt"/>
+                <a:ea typeface="+mn-ea"/>
+                <a:cs typeface="+mn-cs"/>
+              </a:defRPr>
+            </a:lvl4pPr>
+            <a:lvl5pPr marL="1828800" indent="0" algn="ctr" defTabSz="457200" rtl="0" eaLnBrk="1" latinLnBrk="0" hangingPunct="1">
+              <a:spcBef>
+                <a:spcPts val="1000"/>
+              </a:spcBef>
+              <a:spcAft>
+                <a:spcPts val="0"/>
+              </a:spcAft>
+              <a:buClr>
+                <a:schemeClr val="accent1"/>
+              </a:buClr>
+              <a:buFont typeface="Wingdings 3" charset="2"/>
+              <a:buNone/>
+              <a:defRPr sz="1200" kern="1200">
+                <a:solidFill>
+                  <a:schemeClr val="tx1">
+                    <a:tint val="75000"/>
+                  </a:schemeClr>
+                </a:solidFill>
+                <a:latin typeface="+mn-lt"/>
+                <a:ea typeface="+mn-ea"/>
+                <a:cs typeface="+mn-cs"/>
+              </a:defRPr>
+            </a:lvl5pPr>
+            <a:lvl6pPr marL="2286000" indent="0" algn="ctr" defTabSz="457200" rtl="0" eaLnBrk="1" latinLnBrk="0" hangingPunct="1">
+              <a:spcBef>
+                <a:spcPts val="1000"/>
+              </a:spcBef>
+              <a:spcAft>
+                <a:spcPts val="0"/>
+              </a:spcAft>
+              <a:buClr>
+                <a:schemeClr val="accent1"/>
+              </a:buClr>
+              <a:buFont typeface="Wingdings 3" charset="2"/>
+              <a:buNone/>
+              <a:defRPr sz="1200" kern="1200">
+                <a:solidFill>
+                  <a:schemeClr val="tx1">
+                    <a:tint val="75000"/>
+                  </a:schemeClr>
+                </a:solidFill>
+                <a:latin typeface="+mn-lt"/>
+                <a:ea typeface="+mn-ea"/>
+                <a:cs typeface="+mn-cs"/>
+              </a:defRPr>
+            </a:lvl6pPr>
+            <a:lvl7pPr marL="2743200" indent="0" algn="ctr" defTabSz="457200" rtl="0" eaLnBrk="1" latinLnBrk="0" hangingPunct="1">
+              <a:spcBef>
+                <a:spcPts val="1000"/>
+              </a:spcBef>
+              <a:spcAft>
+                <a:spcPts val="0"/>
+              </a:spcAft>
+              <a:buClr>
+                <a:schemeClr val="accent1"/>
+              </a:buClr>
+              <a:buFont typeface="Wingdings 3" charset="2"/>
+              <a:buNone/>
+              <a:defRPr sz="1200" kern="1200">
+                <a:solidFill>
+                  <a:schemeClr val="tx1">
+                    <a:tint val="75000"/>
+                  </a:schemeClr>
+                </a:solidFill>
+                <a:latin typeface="+mn-lt"/>
+                <a:ea typeface="+mn-ea"/>
+                <a:cs typeface="+mn-cs"/>
+              </a:defRPr>
+            </a:lvl7pPr>
+            <a:lvl8pPr marL="3200400" indent="0" algn="ctr" defTabSz="457200" rtl="0" eaLnBrk="1" latinLnBrk="0" hangingPunct="1">
+              <a:spcBef>
+                <a:spcPts val="1000"/>
+              </a:spcBef>
+              <a:spcAft>
+                <a:spcPts val="0"/>
+              </a:spcAft>
+              <a:buClr>
+                <a:schemeClr val="accent1"/>
+              </a:buClr>
+              <a:buFont typeface="Wingdings 3" charset="2"/>
+              <a:buNone/>
+              <a:defRPr sz="1200" kern="1200">
+                <a:solidFill>
+                  <a:schemeClr val="tx1">
+                    <a:tint val="75000"/>
+                  </a:schemeClr>
+                </a:solidFill>
+                <a:latin typeface="+mn-lt"/>
+                <a:ea typeface="+mn-ea"/>
+                <a:cs typeface="+mn-cs"/>
+              </a:defRPr>
+            </a:lvl8pPr>
+            <a:lvl9pPr marL="3657600" indent="0" algn="ctr" defTabSz="457200" rtl="0" eaLnBrk="1" latinLnBrk="0" hangingPunct="1">
+              <a:spcBef>
+                <a:spcPts val="1000"/>
+              </a:spcBef>
+              <a:spcAft>
+                <a:spcPts val="0"/>
+              </a:spcAft>
+              <a:buClr>
+                <a:schemeClr val="accent1"/>
+              </a:buClr>
+              <a:buFont typeface="Wingdings 3" charset="2"/>
+              <a:buNone/>
+              <a:defRPr sz="1200" kern="1200">
+                <a:solidFill>
+                  <a:schemeClr val="tx1">
+                    <a:tint val="75000"/>
+                  </a:schemeClr>
+                </a:solidFill>
+                <a:latin typeface="+mn-lt"/>
+                <a:ea typeface="+mn-ea"/>
+                <a:cs typeface="+mn-cs"/>
+              </a:defRPr>
+            </a:lvl9pPr>
+          </a:lstStyle>
+          <a:p>
+            <a:r>
+              <a:rPr lang="es-ES" sz="1400" dirty="0">
+                <a:solidFill>
+                  <a:schemeClr val="tx1"/>
+                </a:solidFill>
+                <a:latin typeface="ADLaM Display" panose="020F0502020204030204" pitchFamily="2" charset="0"/>
+                <a:ea typeface="ADLaM Display" panose="020F0502020204030204" pitchFamily="2" charset="0"/>
+                <a:cs typeface="ADLaM Display" panose="020F0502020204030204" pitchFamily="2" charset="0"/>
+              </a:rPr>
+              <a:t>PII402 – Procesos Estocásticos</a:t>
+            </a:r>
+          </a:p>
+          <a:p>
+            <a:endParaRPr lang="es-CL" sz="1400" dirty="0">
+              <a:solidFill>
+                <a:schemeClr val="tx1"/>
+              </a:solidFill>
+              <a:latin typeface="ADLaM Display" panose="020F0502020204030204" pitchFamily="2" charset="0"/>
+              <a:ea typeface="ADLaM Display" panose="020F0502020204030204" pitchFamily="2" charset="0"/>
+              <a:cs typeface="ADLaM Display" panose="020F0502020204030204" pitchFamily="2" charset="0"/>
+            </a:endParaRPr>
+          </a:p>
+        </p:txBody>
+      </p:sp>
+    </p:spTree>
+    <p:extLst>
+      <p:ext uri="{BB962C8B-B14F-4D97-AF65-F5344CB8AC3E}">
+        <p14:creationId xmlns:p14="http://schemas.microsoft.com/office/powerpoint/2010/main" val="3426189678"/>
+      </p:ext>
+    </p:extLst>
+  </p:cSld>
+  <p:clrMapOvr>
+    <a:masterClrMapping/>
+  </p:clrMapOvr>
+</p:sld>
+</file>
+
+<file path=ppt/slides/slide8.xml><?xml version="1.0" encoding="utf-8"?>
+<p:sld xmlns:a="http://schemas.openxmlformats.org/drawingml/2006/main" xmlns:r="http://schemas.openxmlformats.org/officeDocument/2006/relationships" xmlns:p="http://schemas.openxmlformats.org/presentationml/2006/main">
+  <p:cSld>
+    <p:spTree>
+      <p:nvGrpSpPr>
+        <p:cNvPr id="1" name=""/>
+        <p:cNvGrpSpPr/>
+        <p:nvPr/>
+      </p:nvGrpSpPr>
+      <p:grpSpPr>
+        <a:xfrm>
+          <a:off x="0" y="0"/>
+          <a:ext cx="0" cy="0"/>
+          <a:chOff x="0" y="0"/>
+          <a:chExt cx="0" cy="0"/>
+        </a:xfrm>
+      </p:grpSpPr>
       <p:sp>
         <p:nvSpPr>
           <p:cNvPr id="3" name="Marcador de contenido 2">
@@ -19349,7 +20066,7 @@
 </p:sld>
 </file>
 
-<file path=ppt/slides/slide8.xml><?xml version="1.0" encoding="utf-8"?>
+<file path=ppt/slides/slide9.xml><?xml version="1.0" encoding="utf-8"?>
 <p:sld xmlns:a="http://schemas.openxmlformats.org/drawingml/2006/main" xmlns:r="http://schemas.openxmlformats.org/officeDocument/2006/relationships" xmlns:p="http://schemas.openxmlformats.org/presentationml/2006/main">
   <p:cSld>
     <p:spTree>
@@ -19871,364 +20588,6 @@
     <p:extLst>
       <p:ext uri="{BB962C8B-B14F-4D97-AF65-F5344CB8AC3E}">
         <p14:creationId xmlns:p14="http://schemas.microsoft.com/office/powerpoint/2010/main" val="3341244980"/>
-      </p:ext>
-    </p:extLst>
-  </p:cSld>
-  <p:clrMapOvr>
-    <a:masterClrMapping/>
-  </p:clrMapOvr>
-</p:sld>
-</file>
-
-<file path=ppt/slides/slide9.xml><?xml version="1.0" encoding="utf-8"?>
-<p:sld xmlns:a="http://schemas.openxmlformats.org/drawingml/2006/main" xmlns:r="http://schemas.openxmlformats.org/officeDocument/2006/relationships" xmlns:p="http://schemas.openxmlformats.org/presentationml/2006/main">
-  <p:cSld>
-    <p:spTree>
-      <p:nvGrpSpPr>
-        <p:cNvPr id="1" name=""/>
-        <p:cNvGrpSpPr/>
-        <p:nvPr/>
-      </p:nvGrpSpPr>
-      <p:grpSpPr>
-        <a:xfrm>
-          <a:off x="0" y="0"/>
-          <a:ext cx="0" cy="0"/>
-          <a:chOff x="0" y="0"/>
-          <a:chExt cx="0" cy="0"/>
-        </a:xfrm>
-      </p:grpSpPr>
-      <p:pic>
-        <p:nvPicPr>
-          <p:cNvPr id="4" name="Imagen 3" descr="Texto&#10;&#10;El contenido generado por IA puede ser incorrecto.">
-            <a:extLst>
-              <a:ext uri="{FF2B5EF4-FFF2-40B4-BE49-F238E27FC236}">
-                <a16:creationId xmlns:a16="http://schemas.microsoft.com/office/drawing/2014/main" id="{26F26695-C243-C3DB-00FA-45D0BD80D1A1}"/>
-              </a:ext>
-            </a:extLst>
-          </p:cNvPr>
-          <p:cNvPicPr>
-            <a:picLocks noChangeAspect="1"/>
-          </p:cNvPicPr>
-          <p:nvPr/>
-        </p:nvPicPr>
-        <p:blipFill>
-          <a:blip r:embed="rId2">
-            <a:extLst>
-              <a:ext uri="{28A0092B-C50C-407E-A947-70E740481C1C}">
-                <a14:useLocalDpi xmlns:a14="http://schemas.microsoft.com/office/drawing/2010/main" val="0"/>
-              </a:ext>
-            </a:extLst>
-          </a:blip>
-          <a:stretch>
-            <a:fillRect/>
-          </a:stretch>
-        </p:blipFill>
-        <p:spPr>
-          <a:xfrm>
-            <a:off x="8874493" y="42218"/>
-            <a:ext cx="3290283" cy="474576"/>
-          </a:xfrm>
-          <a:prstGeom prst="rect">
-            <a:avLst/>
-          </a:prstGeom>
-        </p:spPr>
-      </p:pic>
-      <p:sp>
-        <p:nvSpPr>
-          <p:cNvPr id="6" name="Subtítulo 2">
-            <a:extLst>
-              <a:ext uri="{FF2B5EF4-FFF2-40B4-BE49-F238E27FC236}">
-                <a16:creationId xmlns:a16="http://schemas.microsoft.com/office/drawing/2014/main" id="{64C6B509-7F62-E29E-1963-0A979C9093B0}"/>
-              </a:ext>
-            </a:extLst>
-          </p:cNvPr>
-          <p:cNvSpPr txBox="1">
-            <a:spLocks/>
-          </p:cNvSpPr>
-          <p:nvPr/>
-        </p:nvSpPr>
-        <p:spPr>
-          <a:xfrm>
-            <a:off x="9349731" y="6543962"/>
-            <a:ext cx="2842269" cy="314038"/>
-          </a:xfrm>
-          <a:prstGeom prst="rect">
-            <a:avLst/>
-          </a:prstGeom>
-        </p:spPr>
-        <p:txBody>
-          <a:bodyPr vert="horz" lIns="91440" tIns="45720" rIns="91440" bIns="45720" rtlCol="0" anchor="t">
-            <a:normAutofit/>
-          </a:bodyPr>
-          <a:lstStyle>
-            <a:lvl1pPr marL="0" indent="0" algn="l" defTabSz="457200" rtl="0" eaLnBrk="1" latinLnBrk="0" hangingPunct="1">
-              <a:spcBef>
-                <a:spcPts val="1000"/>
-              </a:spcBef>
-              <a:spcAft>
-                <a:spcPts val="0"/>
-              </a:spcAft>
-              <a:buClr>
-                <a:schemeClr val="accent1"/>
-              </a:buClr>
-              <a:buFont typeface="Wingdings 3" charset="2"/>
-              <a:buNone/>
-              <a:defRPr sz="1800" kern="1200">
-                <a:solidFill>
-                  <a:schemeClr val="tx1">
-                    <a:lumMod val="65000"/>
-                    <a:lumOff val="35000"/>
-                  </a:schemeClr>
-                </a:solidFill>
-                <a:latin typeface="+mn-lt"/>
-                <a:ea typeface="+mn-ea"/>
-                <a:cs typeface="+mn-cs"/>
-              </a:defRPr>
-            </a:lvl1pPr>
-            <a:lvl2pPr marL="457200" indent="0" algn="ctr" defTabSz="457200" rtl="0" eaLnBrk="1" latinLnBrk="0" hangingPunct="1">
-              <a:spcBef>
-                <a:spcPts val="1000"/>
-              </a:spcBef>
-              <a:spcAft>
-                <a:spcPts val="0"/>
-              </a:spcAft>
-              <a:buClr>
-                <a:schemeClr val="accent1"/>
-              </a:buClr>
-              <a:buFont typeface="Wingdings 3" charset="2"/>
-              <a:buNone/>
-              <a:defRPr sz="1600" kern="1200">
-                <a:solidFill>
-                  <a:schemeClr val="tx1">
-                    <a:tint val="75000"/>
-                  </a:schemeClr>
-                </a:solidFill>
-                <a:latin typeface="+mn-lt"/>
-                <a:ea typeface="+mn-ea"/>
-                <a:cs typeface="+mn-cs"/>
-              </a:defRPr>
-            </a:lvl2pPr>
-            <a:lvl3pPr marL="914400" indent="0" algn="ctr" defTabSz="457200" rtl="0" eaLnBrk="1" latinLnBrk="0" hangingPunct="1">
-              <a:spcBef>
-                <a:spcPts val="1000"/>
-              </a:spcBef>
-              <a:spcAft>
-                <a:spcPts val="0"/>
-              </a:spcAft>
-              <a:buClr>
-                <a:schemeClr val="accent1"/>
-              </a:buClr>
-              <a:buFont typeface="Wingdings 3" charset="2"/>
-              <a:buNone/>
-              <a:defRPr sz="1400" kern="1200">
-                <a:solidFill>
-                  <a:schemeClr val="tx1">
-                    <a:tint val="75000"/>
-                  </a:schemeClr>
-                </a:solidFill>
-                <a:latin typeface="+mn-lt"/>
-                <a:ea typeface="+mn-ea"/>
-                <a:cs typeface="+mn-cs"/>
-              </a:defRPr>
-            </a:lvl3pPr>
-            <a:lvl4pPr marL="1371600" indent="0" algn="ctr" defTabSz="457200" rtl="0" eaLnBrk="1" latinLnBrk="0" hangingPunct="1">
-              <a:spcBef>
-                <a:spcPts val="1000"/>
-              </a:spcBef>
-              <a:spcAft>
-                <a:spcPts val="0"/>
-              </a:spcAft>
-              <a:buClr>
-                <a:schemeClr val="accent1"/>
-              </a:buClr>
-              <a:buFont typeface="Wingdings 3" charset="2"/>
-              <a:buNone/>
-              <a:defRPr sz="1200" kern="1200">
-                <a:solidFill>
-                  <a:schemeClr val="tx1">
-                    <a:tint val="75000"/>
-                  </a:schemeClr>
-                </a:solidFill>
-                <a:latin typeface="+mn-lt"/>
-                <a:ea typeface="+mn-ea"/>
-                <a:cs typeface="+mn-cs"/>
-              </a:defRPr>
-            </a:lvl4pPr>
-            <a:lvl5pPr marL="1828800" indent="0" algn="ctr" defTabSz="457200" rtl="0" eaLnBrk="1" latinLnBrk="0" hangingPunct="1">
-              <a:spcBef>
-                <a:spcPts val="1000"/>
-              </a:spcBef>
-              <a:spcAft>
-                <a:spcPts val="0"/>
-              </a:spcAft>
-              <a:buClr>
-                <a:schemeClr val="accent1"/>
-              </a:buClr>
-              <a:buFont typeface="Wingdings 3" charset="2"/>
-              <a:buNone/>
-              <a:defRPr sz="1200" kern="1200">
-                <a:solidFill>
-                  <a:schemeClr val="tx1">
-                    <a:tint val="75000"/>
-                  </a:schemeClr>
-                </a:solidFill>
-                <a:latin typeface="+mn-lt"/>
-                <a:ea typeface="+mn-ea"/>
-                <a:cs typeface="+mn-cs"/>
-              </a:defRPr>
-            </a:lvl5pPr>
-            <a:lvl6pPr marL="2286000" indent="0" algn="ctr" defTabSz="457200" rtl="0" eaLnBrk="1" latinLnBrk="0" hangingPunct="1">
-              <a:spcBef>
-                <a:spcPts val="1000"/>
-              </a:spcBef>
-              <a:spcAft>
-                <a:spcPts val="0"/>
-              </a:spcAft>
-              <a:buClr>
-                <a:schemeClr val="accent1"/>
-              </a:buClr>
-              <a:buFont typeface="Wingdings 3" charset="2"/>
-              <a:buNone/>
-              <a:defRPr sz="1200" kern="1200">
-                <a:solidFill>
-                  <a:schemeClr val="tx1">
-                    <a:tint val="75000"/>
-                  </a:schemeClr>
-                </a:solidFill>
-                <a:latin typeface="+mn-lt"/>
-                <a:ea typeface="+mn-ea"/>
-                <a:cs typeface="+mn-cs"/>
-              </a:defRPr>
-            </a:lvl6pPr>
-            <a:lvl7pPr marL="2743200" indent="0" algn="ctr" defTabSz="457200" rtl="0" eaLnBrk="1" latinLnBrk="0" hangingPunct="1">
-              <a:spcBef>
-                <a:spcPts val="1000"/>
-              </a:spcBef>
-              <a:spcAft>
-                <a:spcPts val="0"/>
-              </a:spcAft>
-              <a:buClr>
-                <a:schemeClr val="accent1"/>
-              </a:buClr>
-              <a:buFont typeface="Wingdings 3" charset="2"/>
-              <a:buNone/>
-              <a:defRPr sz="1200" kern="1200">
-                <a:solidFill>
-                  <a:schemeClr val="tx1">
-                    <a:tint val="75000"/>
-                  </a:schemeClr>
-                </a:solidFill>
-                <a:latin typeface="+mn-lt"/>
-                <a:ea typeface="+mn-ea"/>
-                <a:cs typeface="+mn-cs"/>
-              </a:defRPr>
-            </a:lvl7pPr>
-            <a:lvl8pPr marL="3200400" indent="0" algn="ctr" defTabSz="457200" rtl="0" eaLnBrk="1" latinLnBrk="0" hangingPunct="1">
-              <a:spcBef>
-                <a:spcPts val="1000"/>
-              </a:spcBef>
-              <a:spcAft>
-                <a:spcPts val="0"/>
-              </a:spcAft>
-              <a:buClr>
-                <a:schemeClr val="accent1"/>
-              </a:buClr>
-              <a:buFont typeface="Wingdings 3" charset="2"/>
-              <a:buNone/>
-              <a:defRPr sz="1200" kern="1200">
-                <a:solidFill>
-                  <a:schemeClr val="tx1">
-                    <a:tint val="75000"/>
-                  </a:schemeClr>
-                </a:solidFill>
-                <a:latin typeface="+mn-lt"/>
-                <a:ea typeface="+mn-ea"/>
-                <a:cs typeface="+mn-cs"/>
-              </a:defRPr>
-            </a:lvl8pPr>
-            <a:lvl9pPr marL="3657600" indent="0" algn="ctr" defTabSz="457200" rtl="0" eaLnBrk="1" latinLnBrk="0" hangingPunct="1">
-              <a:spcBef>
-                <a:spcPts val="1000"/>
-              </a:spcBef>
-              <a:spcAft>
-                <a:spcPts val="0"/>
-              </a:spcAft>
-              <a:buClr>
-                <a:schemeClr val="accent1"/>
-              </a:buClr>
-              <a:buFont typeface="Wingdings 3" charset="2"/>
-              <a:buNone/>
-              <a:defRPr sz="1200" kern="1200">
-                <a:solidFill>
-                  <a:schemeClr val="tx1">
-                    <a:tint val="75000"/>
-                  </a:schemeClr>
-                </a:solidFill>
-                <a:latin typeface="+mn-lt"/>
-                <a:ea typeface="+mn-ea"/>
-                <a:cs typeface="+mn-cs"/>
-              </a:defRPr>
-            </a:lvl9pPr>
-          </a:lstStyle>
-          <a:p>
-            <a:r>
-              <a:rPr lang="es-ES" sz="1400" dirty="0">
-                <a:solidFill>
-                  <a:schemeClr val="tx1"/>
-                </a:solidFill>
-                <a:latin typeface="ADLaM Display" panose="020F0502020204030204" pitchFamily="2" charset="0"/>
-                <a:ea typeface="ADLaM Display" panose="020F0502020204030204" pitchFamily="2" charset="0"/>
-                <a:cs typeface="ADLaM Display" panose="020F0502020204030204" pitchFamily="2" charset="0"/>
-              </a:rPr>
-              <a:t>PII402 – Procesos Estocásticos</a:t>
-            </a:r>
-          </a:p>
-          <a:p>
-            <a:endParaRPr lang="es-CL" sz="1400" dirty="0">
-              <a:solidFill>
-                <a:schemeClr val="tx1"/>
-              </a:solidFill>
-              <a:latin typeface="ADLaM Display" panose="020F0502020204030204" pitchFamily="2" charset="0"/>
-              <a:ea typeface="ADLaM Display" panose="020F0502020204030204" pitchFamily="2" charset="0"/>
-              <a:cs typeface="ADLaM Display" panose="020F0502020204030204" pitchFamily="2" charset="0"/>
-            </a:endParaRPr>
-          </a:p>
-        </p:txBody>
-      </p:sp>
-      <p:pic>
-        <p:nvPicPr>
-          <p:cNvPr id="10" name="Imagen 9">
-            <a:extLst>
-              <a:ext uri="{FF2B5EF4-FFF2-40B4-BE49-F238E27FC236}">
-                <a16:creationId xmlns:a16="http://schemas.microsoft.com/office/drawing/2014/main" id="{C44C3AC0-202A-B688-29AB-BD340EF199ED}"/>
-              </a:ext>
-            </a:extLst>
-          </p:cNvPr>
-          <p:cNvPicPr>
-            <a:picLocks noChangeAspect="1"/>
-          </p:cNvPicPr>
-          <p:nvPr/>
-        </p:nvPicPr>
-        <p:blipFill>
-          <a:blip r:embed="rId3"/>
-          <a:stretch>
-            <a:fillRect/>
-          </a:stretch>
-        </p:blipFill>
-        <p:spPr>
-          <a:xfrm>
-            <a:off x="1260911" y="636106"/>
-            <a:ext cx="10010273" cy="5907856"/>
-          </a:xfrm>
-          <a:prstGeom prst="rect">
-            <a:avLst/>
-          </a:prstGeom>
-        </p:spPr>
-      </p:pic>
-    </p:spTree>
-    <p:extLst>
-      <p:ext uri="{BB962C8B-B14F-4D97-AF65-F5344CB8AC3E}">
-        <p14:creationId xmlns:p14="http://schemas.microsoft.com/office/powerpoint/2010/main" val="1023982939"/>
       </p:ext>
     </p:extLst>
   </p:cSld>
